--- a/stegoKurs/Курсовая.pptx
+++ b/stegoKurs/Курсовая.pptx
@@ -6032,7 +6032,15 @@
             </a:pPr>
             <a:r>
               <a:rPr lang="ru-RU" dirty="0"/>
-              <a:t>Шаг 4. Встраивание ЦВЗ</a:t>
+              <a:t>Шаг </a:t>
+            </a:r>
+            <a:r>
+              <a:rPr lang="en-US" dirty="0"/>
+              <a:t>3</a:t>
+            </a:r>
+            <a:r>
+              <a:rPr lang="ru-RU" dirty="0"/>
+              <a:t>. Встраивание ЦВЗ</a:t>
             </a:r>
             <a:r>
               <a:rPr lang="en-US" dirty="0"/>
@@ -6221,10 +6229,10 @@
       </p:sp>
       <p:pic>
         <p:nvPicPr>
-          <p:cNvPr id="5" name="Рисунок 4">
+          <p:cNvPr id="7" name="Рисунок 6">
             <a:extLst>
               <a:ext uri="{FF2B5EF4-FFF2-40B4-BE49-F238E27FC236}">
-                <a16:creationId xmlns:a16="http://schemas.microsoft.com/office/drawing/2014/main" id="{3E24B3C2-56AA-12CF-CDEC-7CE0491C3B69}"/>
+                <a16:creationId xmlns:a16="http://schemas.microsoft.com/office/drawing/2014/main" id="{384120D4-EA97-858C-9D12-3C88D3AC8016}"/>
               </a:ext>
             </a:extLst>
           </p:cNvPr>
@@ -6241,20 +6249,90 @@
         </p:blipFill>
         <p:spPr>
           <a:xfrm>
-            <a:off x="677334" y="1358946"/>
-            <a:ext cx="4917231" cy="3075521"/>
+            <a:off x="5980922" y="1358946"/>
+            <a:ext cx="5528557" cy="3457898"/>
           </a:xfrm>
           <a:prstGeom prst="rect">
             <a:avLst/>
           </a:prstGeom>
         </p:spPr>
       </p:pic>
+      <p:sp>
+        <p:nvSpPr>
+          <p:cNvPr id="8" name="TextBox 7">
+            <a:extLst>
+              <a:ext uri="{FF2B5EF4-FFF2-40B4-BE49-F238E27FC236}">
+                <a16:creationId xmlns:a16="http://schemas.microsoft.com/office/drawing/2014/main" id="{B47A3292-5024-3DC7-C9CF-9B968B4799C1}"/>
+              </a:ext>
+            </a:extLst>
+          </p:cNvPr>
+          <p:cNvSpPr txBox="1"/>
+          <p:nvPr/>
+        </p:nvSpPr>
+        <p:spPr>
+          <a:xfrm>
+            <a:off x="1371600" y="4907901"/>
+            <a:ext cx="3416320" cy="369332"/>
+          </a:xfrm>
+          <a:prstGeom prst="rect">
+            <a:avLst/>
+          </a:prstGeom>
+          <a:noFill/>
+        </p:spPr>
+        <p:txBody>
+          <a:bodyPr wrap="none" rtlCol="0">
+            <a:spAutoFit/>
+          </a:bodyPr>
+          <a:lstStyle/>
+          <a:p>
+            <a:r>
+              <a:rPr lang="ru-RU" dirty="0"/>
+              <a:t>Изображение со скрытым ЦВЗ</a:t>
+            </a:r>
+          </a:p>
+        </p:txBody>
+      </p:sp>
+      <p:sp>
+        <p:nvSpPr>
+          <p:cNvPr id="9" name="TextBox 8">
+            <a:extLst>
+              <a:ext uri="{FF2B5EF4-FFF2-40B4-BE49-F238E27FC236}">
+                <a16:creationId xmlns:a16="http://schemas.microsoft.com/office/drawing/2014/main" id="{DD589E2D-06DC-2406-3AEE-66D02F2E6A2E}"/>
+              </a:ext>
+            </a:extLst>
+          </p:cNvPr>
+          <p:cNvSpPr txBox="1"/>
+          <p:nvPr/>
+        </p:nvSpPr>
+        <p:spPr>
+          <a:xfrm>
+            <a:off x="7316262" y="4870580"/>
+            <a:ext cx="3191899" cy="369332"/>
+          </a:xfrm>
+          <a:prstGeom prst="rect">
+            <a:avLst/>
+          </a:prstGeom>
+          <a:noFill/>
+        </p:spPr>
+        <p:txBody>
+          <a:bodyPr wrap="none" rtlCol="0">
+            <a:spAutoFit/>
+          </a:bodyPr>
+          <a:lstStyle/>
+          <a:p>
+            <a:r>
+              <a:rPr lang="ru-RU" dirty="0"/>
+              <a:t>Оригинальное изображение</a:t>
+            </a:r>
+          </a:p>
+        </p:txBody>
+      </p:sp>
       <p:pic>
         <p:nvPicPr>
-          <p:cNvPr id="7" name="Рисунок 6">
+          <p:cNvPr id="4" name="Рисунок 3">
             <a:extLst>
               <a:ext uri="{FF2B5EF4-FFF2-40B4-BE49-F238E27FC236}">
-                <a16:creationId xmlns:a16="http://schemas.microsoft.com/office/drawing/2014/main" id="{384120D4-EA97-858C-9D12-3C88D3AC8016}"/>
+                <a16:creationId xmlns:a16="http://schemas.microsoft.com/office/drawing/2014/main" id="{F641D8FB-9FC2-EE1D-1551-A3B4E811DF74}"/>
               </a:ext>
             </a:extLst>
           </p:cNvPr>
@@ -6271,85 +6349,14 @@
         </p:blipFill>
         <p:spPr>
           <a:xfrm>
-            <a:off x="5980922" y="1358946"/>
-            <a:ext cx="4917205" cy="3075521"/>
+            <a:off x="271662" y="1358946"/>
+            <a:ext cx="5469463" cy="3457898"/>
           </a:xfrm>
           <a:prstGeom prst="rect">
             <a:avLst/>
           </a:prstGeom>
         </p:spPr>
       </p:pic>
-      <p:sp>
-        <p:nvSpPr>
-          <p:cNvPr id="8" name="TextBox 7">
-            <a:extLst>
-              <a:ext uri="{FF2B5EF4-FFF2-40B4-BE49-F238E27FC236}">
-                <a16:creationId xmlns:a16="http://schemas.microsoft.com/office/drawing/2014/main" id="{B47A3292-5024-3DC7-C9CF-9B968B4799C1}"/>
-              </a:ext>
-            </a:extLst>
-          </p:cNvPr>
-          <p:cNvSpPr txBox="1"/>
-          <p:nvPr/>
-        </p:nvSpPr>
-        <p:spPr>
-          <a:xfrm>
-            <a:off x="2062065" y="4898571"/>
-            <a:ext cx="1888659" cy="369332"/>
-          </a:xfrm>
-          <a:prstGeom prst="rect">
-            <a:avLst/>
-          </a:prstGeom>
-          <a:noFill/>
-        </p:spPr>
-        <p:txBody>
-          <a:bodyPr wrap="none" rtlCol="0">
-            <a:spAutoFit/>
-          </a:bodyPr>
-          <a:lstStyle/>
-          <a:p>
-            <a:r>
-              <a:rPr lang="ru-RU" dirty="0" err="1"/>
-              <a:t>Стегаконтейнер</a:t>
-            </a:r>
-            <a:endParaRPr lang="ru-RU" dirty="0"/>
-          </a:p>
-        </p:txBody>
-      </p:sp>
-      <p:sp>
-        <p:nvSpPr>
-          <p:cNvPr id="9" name="TextBox 8">
-            <a:extLst>
-              <a:ext uri="{FF2B5EF4-FFF2-40B4-BE49-F238E27FC236}">
-                <a16:creationId xmlns:a16="http://schemas.microsoft.com/office/drawing/2014/main" id="{DD589E2D-06DC-2406-3AEE-66D02F2E6A2E}"/>
-              </a:ext>
-            </a:extLst>
-          </p:cNvPr>
-          <p:cNvSpPr txBox="1"/>
-          <p:nvPr/>
-        </p:nvSpPr>
-        <p:spPr>
-          <a:xfrm>
-            <a:off x="7316262" y="4870580"/>
-            <a:ext cx="3191899" cy="369332"/>
-          </a:xfrm>
-          <a:prstGeom prst="rect">
-            <a:avLst/>
-          </a:prstGeom>
-          <a:noFill/>
-        </p:spPr>
-        <p:txBody>
-          <a:bodyPr wrap="none" rtlCol="0">
-            <a:spAutoFit/>
-          </a:bodyPr>
-          <a:lstStyle/>
-          <a:p>
-            <a:r>
-              <a:rPr lang="ru-RU" dirty="0"/>
-              <a:t>Оригинальное изображение</a:t>
-            </a:r>
-          </a:p>
-        </p:txBody>
-      </p:sp>
     </p:spTree>
     <p:extLst>
       <p:ext uri="{BB962C8B-B14F-4D97-AF65-F5344CB8AC3E}">
@@ -6408,41 +6415,94 @@
           </a:p>
         </p:txBody>
       </p:sp>
-      <p:pic>
-        <p:nvPicPr>
-          <p:cNvPr id="5" name="Объект 4">
+      <p:sp>
+        <p:nvSpPr>
+          <p:cNvPr id="8" name="TextBox 7">
             <a:extLst>
               <a:ext uri="{FF2B5EF4-FFF2-40B4-BE49-F238E27FC236}">
-                <a16:creationId xmlns:a16="http://schemas.microsoft.com/office/drawing/2014/main" id="{7527EE02-C192-951E-3D3F-2A600F9FEBE1}"/>
+                <a16:creationId xmlns:a16="http://schemas.microsoft.com/office/drawing/2014/main" id="{82CAFE94-DDEE-32F4-E98C-D32E49B5CBF4}"/>
               </a:ext>
             </a:extLst>
           </p:cNvPr>
-          <p:cNvPicPr>
-            <a:picLocks noGrp="1" noChangeAspect="1"/>
-          </p:cNvPicPr>
-          <p:nvPr>
-            <p:ph idx="1"/>
-          </p:nvPr>
-        </p:nvPicPr>
-        <p:blipFill>
-          <a:blip r:embed="rId2"/>
-          <a:stretch>
-            <a:fillRect/>
-          </a:stretch>
-        </p:blipFill>
+          <p:cNvSpPr txBox="1"/>
+          <p:nvPr/>
+        </p:nvSpPr>
         <p:spPr>
           <a:xfrm>
-            <a:off x="783463" y="1656735"/>
-            <a:ext cx="3943739" cy="3881437"/>
+            <a:off x="5170682" y="5166638"/>
+            <a:ext cx="3249608" cy="646331"/>
           </a:xfrm>
+          <a:prstGeom prst="rect">
+            <a:avLst/>
+          </a:prstGeom>
+          <a:noFill/>
         </p:spPr>
-      </p:pic>
+        <p:txBody>
+          <a:bodyPr wrap="none" rtlCol="0">
+            <a:spAutoFit/>
+          </a:bodyPr>
+          <a:lstStyle/>
+          <a:p>
+            <a:r>
+              <a:rPr lang="ru-RU" dirty="0"/>
+              <a:t>Матрица синего канала </a:t>
+            </a:r>
+          </a:p>
+          <a:p>
+            <a:r>
+              <a:rPr lang="ru-RU" dirty="0"/>
+              <a:t>оригинального изображения</a:t>
+            </a:r>
+          </a:p>
+        </p:txBody>
+      </p:sp>
+      <p:sp>
+        <p:nvSpPr>
+          <p:cNvPr id="9" name="TextBox 8">
+            <a:extLst>
+              <a:ext uri="{FF2B5EF4-FFF2-40B4-BE49-F238E27FC236}">
+                <a16:creationId xmlns:a16="http://schemas.microsoft.com/office/drawing/2014/main" id="{AA785AD3-FB0A-7C4A-761E-87B01C7EA75C}"/>
+              </a:ext>
+            </a:extLst>
+          </p:cNvPr>
+          <p:cNvSpPr txBox="1"/>
+          <p:nvPr/>
+        </p:nvSpPr>
+        <p:spPr>
+          <a:xfrm>
+            <a:off x="475861" y="5147978"/>
+            <a:ext cx="3070071" cy="646331"/>
+          </a:xfrm>
+          <a:prstGeom prst="rect">
+            <a:avLst/>
+          </a:prstGeom>
+          <a:noFill/>
+        </p:spPr>
+        <p:txBody>
+          <a:bodyPr wrap="none" rtlCol="0">
+            <a:spAutoFit/>
+          </a:bodyPr>
+          <a:lstStyle/>
+          <a:p>
+            <a:r>
+              <a:rPr lang="ru-RU" dirty="0"/>
+              <a:t>Матрица синего канала </a:t>
+            </a:r>
+          </a:p>
+          <a:p>
+            <a:r>
+              <a:rPr lang="ru-RU" dirty="0"/>
+              <a:t>Изменённого изображения</a:t>
+            </a:r>
+          </a:p>
+        </p:txBody>
+      </p:sp>
       <p:pic>
         <p:nvPicPr>
-          <p:cNvPr id="7" name="Рисунок 6">
+          <p:cNvPr id="4" name="Рисунок 3">
             <a:extLst>
               <a:ext uri="{FF2B5EF4-FFF2-40B4-BE49-F238E27FC236}">
-                <a16:creationId xmlns:a16="http://schemas.microsoft.com/office/drawing/2014/main" id="{C11AE19A-8125-1092-705F-994CB9957B87}"/>
+                <a16:creationId xmlns:a16="http://schemas.microsoft.com/office/drawing/2014/main" id="{E6A18E04-F0DA-B359-62B0-73881A540E52}"/>
               </a:ext>
             </a:extLst>
           </p:cNvPr>
@@ -6452,14 +6512,21 @@
           <p:nvPr/>
         </p:nvPicPr>
         <p:blipFill>
-          <a:blip r:embed="rId3"/>
-          <a:srcRect b="10248"/>
-          <a:stretch/>
+          <a:blip r:embed="rId2">
+            <a:extLst>
+              <a:ext uri="{28A0092B-C50C-407E-A947-70E740481C1C}">
+                <a14:useLocalDpi xmlns:a14="http://schemas.microsoft.com/office/drawing/2010/main" val="0"/>
+              </a:ext>
+            </a:extLst>
+          </a:blip>
+          <a:stretch>
+            <a:fillRect/>
+          </a:stretch>
         </p:blipFill>
         <p:spPr>
           <a:xfrm>
-            <a:off x="5271796" y="1691951"/>
-            <a:ext cx="3727452" cy="3811004"/>
+            <a:off x="475861" y="1185610"/>
+            <a:ext cx="8363937" cy="3741991"/>
           </a:xfrm>
           <a:prstGeom prst="rect">
             <a:avLst/>
@@ -6468,10 +6535,10 @@
       </p:pic>
       <p:sp>
         <p:nvSpPr>
-          <p:cNvPr id="8" name="TextBox 7">
+          <p:cNvPr id="11" name="TextBox 10">
             <a:extLst>
               <a:ext uri="{FF2B5EF4-FFF2-40B4-BE49-F238E27FC236}">
-                <a16:creationId xmlns:a16="http://schemas.microsoft.com/office/drawing/2014/main" id="{82CAFE94-DDEE-32F4-E98C-D32E49B5CBF4}"/>
+                <a16:creationId xmlns:a16="http://schemas.microsoft.com/office/drawing/2014/main" id="{ADD11F23-EB54-0162-F67A-A5744038B3A7}"/>
               </a:ext>
             </a:extLst>
           </p:cNvPr>
@@ -6480,8 +6547,8 @@
         </p:nvSpPr>
         <p:spPr>
           <a:xfrm>
-            <a:off x="1130528" y="5701003"/>
-            <a:ext cx="3249608" cy="646331"/>
+            <a:off x="9358604" y="1579277"/>
+            <a:ext cx="2687216" cy="1477328"/>
           </a:xfrm>
           <a:prstGeom prst="rect">
             <a:avLst/>
@@ -6489,61 +6556,14 @@
           <a:noFill/>
         </p:spPr>
         <p:txBody>
-          <a:bodyPr wrap="none" rtlCol="0">
+          <a:bodyPr wrap="square" rtlCol="0">
             <a:spAutoFit/>
           </a:bodyPr>
           <a:lstStyle/>
           <a:p>
             <a:r>
               <a:rPr lang="ru-RU" dirty="0"/>
-              <a:t>Матрица синего канала </a:t>
-            </a:r>
-          </a:p>
-          <a:p>
-            <a:r>
-              <a:rPr lang="ru-RU" dirty="0"/>
-              <a:t>оригинального изображения</a:t>
-            </a:r>
-          </a:p>
-        </p:txBody>
-      </p:sp>
-      <p:sp>
-        <p:nvSpPr>
-          <p:cNvPr id="9" name="TextBox 8">
-            <a:extLst>
-              <a:ext uri="{FF2B5EF4-FFF2-40B4-BE49-F238E27FC236}">
-                <a16:creationId xmlns:a16="http://schemas.microsoft.com/office/drawing/2014/main" id="{AA785AD3-FB0A-7C4A-761E-87B01C7EA75C}"/>
-              </a:ext>
-            </a:extLst>
-          </p:cNvPr>
-          <p:cNvSpPr txBox="1"/>
-          <p:nvPr/>
-        </p:nvSpPr>
-        <p:spPr>
-          <a:xfrm>
-            <a:off x="5934269" y="5701003"/>
-            <a:ext cx="2751074" cy="646331"/>
-          </a:xfrm>
-          <a:prstGeom prst="rect">
-            <a:avLst/>
-          </a:prstGeom>
-          <a:noFill/>
-        </p:spPr>
-        <p:txBody>
-          <a:bodyPr wrap="none" rtlCol="0">
-            <a:spAutoFit/>
-          </a:bodyPr>
-          <a:lstStyle/>
-          <a:p>
-            <a:r>
-              <a:rPr lang="ru-RU" dirty="0"/>
-              <a:t>Матрица синего канала </a:t>
-            </a:r>
-          </a:p>
-          <a:p>
-            <a:r>
-              <a:rPr lang="ru-RU" dirty="0"/>
-              <a:t>стегаконтейнера</a:t>
+              <a:t>Каждая строка иллюстрирует блок по 230 пикселей(всего 10017 строк из них 10000 изменённых)</a:t>
             </a:r>
           </a:p>
         </p:txBody>
@@ -6625,7 +6645,7 @@
         <p:spPr/>
         <p:txBody>
           <a:bodyPr>
-            <a:normAutofit fontScale="85000" lnSpcReduction="20000"/>
+            <a:normAutofit fontScale="55000" lnSpcReduction="20000"/>
           </a:bodyPr>
           <a:lstStyle/>
           <a:p>
@@ -6746,7 +6766,126 @@
             </a:pPr>
             <a:r>
               <a:rPr lang="en-US" dirty="0"/>
-              <a:t>    for y in range(</a:t>
+              <a:t> for </a:t>
+            </a:r>
+            <a:r>
+              <a:rPr lang="en-US" dirty="0" err="1"/>
+              <a:t>i</a:t>
+            </a:r>
+            <a:r>
+              <a:rPr lang="en-US" dirty="0"/>
+              <a:t> in range(</a:t>
+            </a:r>
+            <a:r>
+              <a:rPr lang="en-US" dirty="0" err="1"/>
+              <a:t>num_bits</a:t>
+            </a:r>
+            <a:r>
+              <a:rPr lang="en-US" dirty="0"/>
+              <a:t>):</a:t>
+            </a:r>
+          </a:p>
+          <a:p>
+            <a:pPr marL="0" indent="0">
+              <a:buNone/>
+            </a:pPr>
+            <a:r>
+              <a:rPr lang="en-US" dirty="0"/>
+              <a:t>        </a:t>
+            </a:r>
+            <a:r>
+              <a:rPr lang="en-US" dirty="0" err="1"/>
+              <a:t>bit_sum</a:t>
+            </a:r>
+            <a:r>
+              <a:rPr lang="en-US" dirty="0"/>
+              <a:t> = 0</a:t>
+            </a:r>
+          </a:p>
+          <a:p>
+            <a:pPr marL="0" indent="0">
+              <a:buNone/>
+            </a:pPr>
+            <a:r>
+              <a:rPr lang="en-US" dirty="0"/>
+              <a:t>        for j in range(</a:t>
+            </a:r>
+            <a:r>
+              <a:rPr lang="en-US" dirty="0" err="1"/>
+              <a:t>block_size</a:t>
+            </a:r>
+            <a:r>
+              <a:rPr lang="en-US" dirty="0"/>
+              <a:t>):</a:t>
+            </a:r>
+          </a:p>
+          <a:p>
+            <a:pPr marL="0" indent="0">
+              <a:buNone/>
+            </a:pPr>
+            <a:r>
+              <a:rPr lang="en-US" dirty="0"/>
+              <a:t>            x = (</a:t>
+            </a:r>
+            <a:r>
+              <a:rPr lang="en-US" dirty="0" err="1"/>
+              <a:t>i</a:t>
+            </a:r>
+            <a:r>
+              <a:rPr lang="en-US" dirty="0"/>
+              <a:t> * </a:t>
+            </a:r>
+            <a:r>
+              <a:rPr lang="en-US" dirty="0" err="1"/>
+              <a:t>block_size</a:t>
+            </a:r>
+            <a:r>
+              <a:rPr lang="en-US" dirty="0"/>
+              <a:t> + j) % </a:t>
+            </a:r>
+            <a:r>
+              <a:rPr lang="en-US" dirty="0" err="1"/>
+              <a:t>img.width</a:t>
+            </a:r>
+            <a:endParaRPr lang="en-US" dirty="0"/>
+          </a:p>
+          <a:p>
+            <a:pPr marL="0" indent="0">
+              <a:buNone/>
+            </a:pPr>
+            <a:r>
+              <a:rPr lang="en-US" dirty="0"/>
+              <a:t>            y = (</a:t>
+            </a:r>
+            <a:r>
+              <a:rPr lang="en-US" dirty="0" err="1"/>
+              <a:t>i</a:t>
+            </a:r>
+            <a:r>
+              <a:rPr lang="en-US" dirty="0"/>
+              <a:t> * </a:t>
+            </a:r>
+            <a:r>
+              <a:rPr lang="en-US" dirty="0" err="1"/>
+              <a:t>block_size</a:t>
+            </a:r>
+            <a:r>
+              <a:rPr lang="en-US" dirty="0"/>
+              <a:t> + j) // </a:t>
+            </a:r>
+            <a:r>
+              <a:rPr lang="en-US" dirty="0" err="1"/>
+              <a:t>img.width</a:t>
+            </a:r>
+            <a:endParaRPr lang="en-US" dirty="0"/>
+          </a:p>
+          <a:p>
+            <a:pPr marL="0" indent="0">
+              <a:buNone/>
+            </a:pPr>
+            <a:r>
+              <a:rPr lang="en-US" dirty="0"/>
+              <a:t>            if y &gt;= </a:t>
             </a:r>
             <a:r>
               <a:rPr lang="en-US" dirty="0" err="1"/>
@@ -6754,56 +6893,6 @@
             </a:r>
             <a:r>
               <a:rPr lang="en-US" dirty="0"/>
-              <a:t>):</a:t>
-            </a:r>
-          </a:p>
-          <a:p>
-            <a:pPr marL="0" indent="0">
-              <a:buNone/>
-            </a:pPr>
-            <a:r>
-              <a:rPr lang="en-US" dirty="0"/>
-              <a:t>        for x in range(</a:t>
-            </a:r>
-            <a:r>
-              <a:rPr lang="en-US" dirty="0" err="1"/>
-              <a:t>img.width</a:t>
-            </a:r>
-            <a:r>
-              <a:rPr lang="en-US" dirty="0"/>
-              <a:t>):</a:t>
-            </a:r>
-          </a:p>
-          <a:p>
-            <a:pPr marL="0" indent="0">
-              <a:buNone/>
-            </a:pPr>
-            <a:r>
-              <a:rPr lang="en-US" dirty="0"/>
-              <a:t>            if </a:t>
-            </a:r>
-            <a:r>
-              <a:rPr lang="en-US" dirty="0" err="1"/>
-              <a:t>len</a:t>
-            </a:r>
-            <a:r>
-              <a:rPr lang="en-US" dirty="0"/>
-              <a:t>(</a:t>
-            </a:r>
-            <a:r>
-              <a:rPr lang="en-US" dirty="0" err="1"/>
-              <a:t>extracted_bits</a:t>
-            </a:r>
-            <a:r>
-              <a:rPr lang="en-US" dirty="0"/>
-              <a:t>) &gt;= </a:t>
-            </a:r>
-            <a:r>
-              <a:rPr lang="en-US" dirty="0" err="1"/>
-              <a:t>num_bits</a:t>
-            </a:r>
-            <a:r>
-              <a:rPr lang="en-US" dirty="0"/>
               <a:t>:</a:t>
             </a:r>
           </a:p>
@@ -6832,6 +6921,14 @@
             <a:r>
               <a:rPr lang="en-US" dirty="0"/>
               <a:t>            </a:t>
+            </a:r>
+            <a:r>
+              <a:rPr lang="en-US" dirty="0" err="1"/>
+              <a:t>bit_sum</a:t>
+            </a:r>
+            <a:r>
+              <a:rPr lang="en-US" dirty="0"/>
+              <a:t> += b &amp; 1            </a:t>
             </a:r>
             <a:r>
               <a:rPr lang="en-US" dirty="0" err="1"/>
@@ -6932,7 +7029,7 @@
             </a:pPr>
             <a:r>
               <a:rPr lang="ru-RU" dirty="0"/>
-              <a:t>Пробегаем по пикселям изображения в пределах размера ЦВЗ и записываем последний бит пикселей синего канала. </a:t>
+              <a:t>Проходим по пикселям изображения и записываем последний бит пикселей синего канала. </a:t>
             </a:r>
           </a:p>
           <a:p>
@@ -7426,7 +7523,7 @@
         <p:spPr>
           <a:xfrm>
             <a:off x="995035" y="4767723"/>
-            <a:ext cx="3845925" cy="646331"/>
+            <a:ext cx="3969356" cy="646331"/>
           </a:xfrm>
           <a:prstGeom prst="rect">
             <a:avLst/>
@@ -7450,8 +7547,8 @@
               <a:t> бита из </a:t>
             </a:r>
             <a:r>
-              <a:rPr lang="ru-RU" dirty="0" err="1"/>
-              <a:t>стегоконтейнера</a:t>
+              <a:rPr lang="ru-RU"/>
+              <a:t>изменённого изображения</a:t>
             </a:r>
             <a:endParaRPr lang="ru-RU" dirty="0"/>
           </a:p>
@@ -8357,7 +8454,7 @@
         <p:spPr>
           <a:xfrm>
             <a:off x="2400769" y="3721314"/>
-            <a:ext cx="2202025" cy="646331"/>
+            <a:ext cx="2202025" cy="923330"/>
           </a:xfrm>
           <a:prstGeom prst="rect">
             <a:avLst/>
@@ -8372,7 +8469,7 @@
           <a:p>
             <a:r>
               <a:rPr lang="ru-RU" dirty="0"/>
-              <a:t>Оценка стегаконтейнера </a:t>
+              <a:t>Оценка изменённого изображения </a:t>
             </a:r>
           </a:p>
         </p:txBody>
@@ -8414,10 +8511,10 @@
       </p:sp>
       <p:pic>
         <p:nvPicPr>
-          <p:cNvPr id="10" name="Рисунок 9">
+          <p:cNvPr id="14" name="Рисунок 13">
             <a:extLst>
               <a:ext uri="{FF2B5EF4-FFF2-40B4-BE49-F238E27FC236}">
-                <a16:creationId xmlns:a16="http://schemas.microsoft.com/office/drawing/2014/main" id="{B4FA375D-DA23-4391-FF6F-7752D3606699}"/>
+                <a16:creationId xmlns:a16="http://schemas.microsoft.com/office/drawing/2014/main" id="{BE978A7A-4C3B-675C-2B10-5B05C783CA5E}"/>
               </a:ext>
             </a:extLst>
           </p:cNvPr>
@@ -8434,8 +8531,8 @@
         </p:blipFill>
         <p:spPr>
           <a:xfrm>
-            <a:off x="1906843" y="2806367"/>
-            <a:ext cx="2695951" cy="657317"/>
+            <a:off x="6202291" y="2708200"/>
+            <a:ext cx="1257475" cy="666843"/>
           </a:xfrm>
           <a:prstGeom prst="rect">
             <a:avLst/>
@@ -8444,10 +8541,10 @@
       </p:pic>
       <p:pic>
         <p:nvPicPr>
-          <p:cNvPr id="14" name="Рисунок 13">
+          <p:cNvPr id="4" name="Рисунок 3">
             <a:extLst>
               <a:ext uri="{FF2B5EF4-FFF2-40B4-BE49-F238E27FC236}">
-                <a16:creationId xmlns:a16="http://schemas.microsoft.com/office/drawing/2014/main" id="{BE978A7A-4C3B-675C-2B10-5B05C783CA5E}"/>
+                <a16:creationId xmlns:a16="http://schemas.microsoft.com/office/drawing/2014/main" id="{AB1122A9-9B3D-0C8B-6282-A011D60EDBBE}"/>
               </a:ext>
             </a:extLst>
           </p:cNvPr>
@@ -8464,8 +8561,8 @@
         </p:blipFill>
         <p:spPr>
           <a:xfrm>
-            <a:off x="6202291" y="2708200"/>
-            <a:ext cx="1257475" cy="666843"/>
+            <a:off x="2017519" y="2783133"/>
+            <a:ext cx="2772162" cy="647790"/>
           </a:xfrm>
           <a:prstGeom prst="rect">
             <a:avLst/>
@@ -8945,7 +9042,15 @@
             </a:pPr>
             <a:r>
               <a:rPr lang="ru-RU" dirty="0"/>
-              <a:t>Шаг 2.</a:t>
+              <a:t>Шаг </a:t>
+            </a:r>
+            <a:r>
+              <a:rPr lang="en-US" dirty="0"/>
+              <a:t>1</a:t>
+            </a:r>
+            <a:r>
+              <a:rPr lang="ru-RU" dirty="0"/>
+              <a:t>.</a:t>
             </a:r>
           </a:p>
           <a:p>
@@ -9205,19 +9310,17 @@
       </p:sp>
       <p:pic>
         <p:nvPicPr>
-          <p:cNvPr id="5" name="Объект 4">
+          <p:cNvPr id="7" name="Рисунок 6">
             <a:extLst>
               <a:ext uri="{FF2B5EF4-FFF2-40B4-BE49-F238E27FC236}">
-                <a16:creationId xmlns:a16="http://schemas.microsoft.com/office/drawing/2014/main" id="{1818B95C-3B6A-A6AA-7377-A115790E85A5}"/>
+                <a16:creationId xmlns:a16="http://schemas.microsoft.com/office/drawing/2014/main" id="{88FD6B21-1090-0C0C-E79C-5131F145C206}"/>
               </a:ext>
             </a:extLst>
           </p:cNvPr>
           <p:cNvPicPr>
-            <a:picLocks noGrp="1" noChangeAspect="1"/>
+            <a:picLocks noChangeAspect="1"/>
           </p:cNvPicPr>
-          <p:nvPr>
-            <p:ph idx="1"/>
-          </p:nvPr>
+          <p:nvPr/>
         </p:nvPicPr>
         <p:blipFill>
           <a:blip r:embed="rId2"/>
@@ -9227,52 +9330,14 @@
         </p:blipFill>
         <p:spPr>
           <a:xfrm>
-            <a:off x="4054764" y="2142731"/>
-            <a:ext cx="3943739" cy="3881437"/>
-          </a:xfrm>
-        </p:spPr>
-      </p:pic>
-      <p:sp>
-        <p:nvSpPr>
-          <p:cNvPr id="8" name="TextBox 7">
-            <a:extLst>
-              <a:ext uri="{FF2B5EF4-FFF2-40B4-BE49-F238E27FC236}">
-                <a16:creationId xmlns:a16="http://schemas.microsoft.com/office/drawing/2014/main" id="{0EDDE58F-1B63-14DE-4C63-47B480E28ECA}"/>
-              </a:ext>
-            </a:extLst>
-          </p:cNvPr>
-          <p:cNvSpPr txBox="1"/>
-          <p:nvPr/>
-        </p:nvSpPr>
-        <p:spPr>
-          <a:xfrm>
-            <a:off x="1130528" y="5701003"/>
-            <a:ext cx="3249608" cy="646331"/>
+            <a:off x="1026368" y="2160589"/>
+            <a:ext cx="7722636" cy="3521831"/>
           </a:xfrm>
           <a:prstGeom prst="rect">
             <a:avLst/>
           </a:prstGeom>
-          <a:noFill/>
         </p:spPr>
-        <p:txBody>
-          <a:bodyPr wrap="none" rtlCol="0">
-            <a:spAutoFit/>
-          </a:bodyPr>
-          <a:lstStyle/>
-          <a:p>
-            <a:r>
-              <a:rPr lang="ru-RU" dirty="0"/>
-              <a:t>Матрица синего канала </a:t>
-            </a:r>
-          </a:p>
-          <a:p>
-            <a:r>
-              <a:rPr lang="ru-RU" dirty="0"/>
-              <a:t>оригинального изображения</a:t>
-            </a:r>
-          </a:p>
-        </p:txBody>
-      </p:sp>
+      </p:pic>
     </p:spTree>
     <p:extLst>
       <p:ext uri="{BB962C8B-B14F-4D97-AF65-F5344CB8AC3E}">
@@ -9813,7 +9878,15 @@
             </a:pPr>
             <a:r>
               <a:rPr lang="ru-RU" dirty="0"/>
-              <a:t>Шаг 3. Подготовка к встраиванию ЦВЗ</a:t>
+              <a:t>Шаг </a:t>
+            </a:r>
+            <a:r>
+              <a:rPr lang="en-US" dirty="0"/>
+              <a:t>2</a:t>
+            </a:r>
+            <a:r>
+              <a:rPr lang="ru-RU" dirty="0"/>
+              <a:t>. Подготовка к встраиванию ЦВЗ</a:t>
             </a:r>
           </a:p>
           <a:p>
